--- a/Powerpoint copy Jackson.pptx
+++ b/Powerpoint copy Jackson.pptx
@@ -5,10 +5,10 @@
     <p:sldMasterId id="2147483648" r:id="rId4"/>
   </p:sldMasterIdLst>
   <p:notesMasterIdLst>
-    <p:notesMasterId r:id="rId14"/>
+    <p:notesMasterId r:id="rId18"/>
   </p:notesMasterIdLst>
   <p:handoutMasterIdLst>
-    <p:handoutMasterId r:id="rId15"/>
+    <p:handoutMasterId r:id="rId19"/>
   </p:handoutMasterIdLst>
   <p:sldIdLst>
     <p:sldId id="256" r:id="rId5"/>
@@ -16,10 +16,14 @@
     <p:sldId id="258" r:id="rId7"/>
     <p:sldId id="262" r:id="rId8"/>
     <p:sldId id="270" r:id="rId9"/>
-    <p:sldId id="264" r:id="rId10"/>
-    <p:sldId id="273" r:id="rId11"/>
-    <p:sldId id="272" r:id="rId12"/>
-    <p:sldId id="271" r:id="rId13"/>
+    <p:sldId id="276" r:id="rId10"/>
+    <p:sldId id="277" r:id="rId11"/>
+    <p:sldId id="264" r:id="rId12"/>
+    <p:sldId id="273" r:id="rId13"/>
+    <p:sldId id="274" r:id="rId14"/>
+    <p:sldId id="275" r:id="rId15"/>
+    <p:sldId id="272" r:id="rId16"/>
+    <p:sldId id="271" r:id="rId17"/>
   </p:sldIdLst>
   <p:sldSz cx="12192000" cy="6858000"/>
   <p:notesSz cx="6858000" cy="9144000"/>
@@ -223,7 +227,7 @@
           <a:p>
             <a:fld id="{B56F32FC-4BD9-442A-A8C6-51598C909FE3}" type="datetimeFigureOut">
               <a:rPr lang="en-US" smtClean="0"/>
-              <a:t>10/24/2023</a:t>
+              <a:t>10/25/23</a:t>
             </a:fld>
             <a:endParaRPr lang="en-US" dirty="0"/>
           </a:p>
@@ -400,7 +404,7 @@
           <a:p>
             <a:fld id="{056371FA-A98D-41E8-93F4-09945841298A}" type="datetimeFigureOut">
               <a:rPr lang="en-US" smtClean="0"/>
-              <a:t>10/24/2023</a:t>
+              <a:t>10/25/23</a:t>
             </a:fld>
             <a:endParaRPr lang="en-US" dirty="0"/>
           </a:p>
@@ -9765,6 +9769,716 @@
 </p:sld>
 </file>
 
+<file path=ppt/slides/slide10.xml><?xml version="1.0" encoding="utf-8"?>
+<p:sld xmlns:a="http://schemas.openxmlformats.org/drawingml/2006/main" xmlns:r="http://schemas.openxmlformats.org/officeDocument/2006/relationships" xmlns:p="http://schemas.openxmlformats.org/presentationml/2006/main">
+  <p:cSld>
+    <p:spTree>
+      <p:nvGrpSpPr>
+        <p:cNvPr id="1" name=""/>
+        <p:cNvGrpSpPr/>
+        <p:nvPr/>
+      </p:nvGrpSpPr>
+      <p:grpSpPr>
+        <a:xfrm>
+          <a:off x="0" y="0"/>
+          <a:ext cx="0" cy="0"/>
+          <a:chOff x="0" y="0"/>
+          <a:chExt cx="0" cy="0"/>
+        </a:xfrm>
+      </p:grpSpPr>
+      <p:sp>
+        <p:nvSpPr>
+          <p:cNvPr id="2" name="Title 1">
+            <a:extLst>
+              <a:ext uri="{FF2B5EF4-FFF2-40B4-BE49-F238E27FC236}">
+                <a16:creationId xmlns:a16="http://schemas.microsoft.com/office/drawing/2014/main" id="{4F6A2D15-4D68-4BF7-9421-032AE6C8852C}"/>
+              </a:ext>
+            </a:extLst>
+          </p:cNvPr>
+          <p:cNvSpPr>
+            <a:spLocks noGrp="1"/>
+          </p:cNvSpPr>
+          <p:nvPr>
+            <p:ph type="title"/>
+          </p:nvPr>
+        </p:nvSpPr>
+        <p:spPr>
+          <a:xfrm>
+            <a:off x="1307008" y="336701"/>
+            <a:ext cx="9577983" cy="1325563"/>
+          </a:xfrm>
+        </p:spPr>
+        <p:txBody>
+          <a:bodyPr/>
+          <a:lstStyle/>
+          <a:p>
+            <a:r>
+              <a:rPr lang="en-US" dirty="0"/>
+              <a:t>How have the stock trends performed over time? can we Predict Future Trends?</a:t>
+            </a:r>
+          </a:p>
+        </p:txBody>
+      </p:sp>
+      <p:sp>
+        <p:nvSpPr>
+          <p:cNvPr id="25" name="Slide Number Placeholder 24">
+            <a:extLst>
+              <a:ext uri="{FF2B5EF4-FFF2-40B4-BE49-F238E27FC236}">
+                <a16:creationId xmlns:a16="http://schemas.microsoft.com/office/drawing/2014/main" id="{148E9129-4CC6-47BA-ACD8-2C632A8660EC}"/>
+              </a:ext>
+            </a:extLst>
+          </p:cNvPr>
+          <p:cNvSpPr>
+            <a:spLocks noGrp="1"/>
+          </p:cNvSpPr>
+          <p:nvPr>
+            <p:ph type="sldNum" sz="quarter" idx="12"/>
+          </p:nvPr>
+        </p:nvSpPr>
+        <p:spPr>
+          <a:xfrm>
+            <a:off x="8610600" y="6356350"/>
+            <a:ext cx="2743200" cy="365125"/>
+          </a:xfrm>
+        </p:spPr>
+        <p:txBody>
+          <a:bodyPr/>
+          <a:lstStyle/>
+          <a:p>
+            <a:fld id="{A49DFD55-3C28-40EF-9E31-A92D2E4017FF}" type="slidenum">
+              <a:rPr lang="en-US" smtClean="0"/>
+              <a:pPr/>
+              <a:t>10</a:t>
+            </a:fld>
+            <a:endParaRPr lang="en-US" dirty="0"/>
+          </a:p>
+        </p:txBody>
+      </p:sp>
+      <p:sp>
+        <p:nvSpPr>
+          <p:cNvPr id="5" name="TextBox 4">
+            <a:extLst>
+              <a:ext uri="{FF2B5EF4-FFF2-40B4-BE49-F238E27FC236}">
+                <a16:creationId xmlns:a16="http://schemas.microsoft.com/office/drawing/2014/main" id="{2254930C-D835-67EE-67EE-F1F5BDA45880}"/>
+              </a:ext>
+            </a:extLst>
+          </p:cNvPr>
+          <p:cNvSpPr txBox="1"/>
+          <p:nvPr/>
+        </p:nvSpPr>
+        <p:spPr>
+          <a:xfrm>
+            <a:off x="1856232" y="2446020"/>
+            <a:ext cx="3520440" cy="523220"/>
+          </a:xfrm>
+          <a:prstGeom prst="rect">
+            <a:avLst/>
+          </a:prstGeom>
+          <a:noFill/>
+        </p:spPr>
+        <p:txBody>
+          <a:bodyPr wrap="square" rtlCol="0">
+            <a:spAutoFit/>
+          </a:bodyPr>
+          <a:lstStyle/>
+          <a:p>
+            <a:pPr algn="ctr"/>
+            <a:r>
+              <a:rPr lang="en-US" sz="2800" b="1" i="0" dirty="0">
+                <a:effectLst/>
+                <a:latin typeface="Söhne"/>
+              </a:rPr>
+              <a:t>Johnson &amp; Johnson</a:t>
+            </a:r>
+            <a:endParaRPr lang="en-US" sz="2800" dirty="0"/>
+          </a:p>
+        </p:txBody>
+      </p:sp>
+      <p:sp>
+        <p:nvSpPr>
+          <p:cNvPr id="8" name="TextBox 7">
+            <a:extLst>
+              <a:ext uri="{FF2B5EF4-FFF2-40B4-BE49-F238E27FC236}">
+                <a16:creationId xmlns:a16="http://schemas.microsoft.com/office/drawing/2014/main" id="{3FDF9D8D-C677-0576-3FE3-CC3578FA803A}"/>
+              </a:ext>
+            </a:extLst>
+          </p:cNvPr>
+          <p:cNvSpPr txBox="1"/>
+          <p:nvPr/>
+        </p:nvSpPr>
+        <p:spPr>
+          <a:xfrm>
+            <a:off x="6896805" y="2446020"/>
+            <a:ext cx="3520440" cy="523220"/>
+          </a:xfrm>
+          <a:prstGeom prst="rect">
+            <a:avLst/>
+          </a:prstGeom>
+          <a:noFill/>
+        </p:spPr>
+        <p:txBody>
+          <a:bodyPr wrap="square" rtlCol="0">
+            <a:spAutoFit/>
+          </a:bodyPr>
+          <a:lstStyle/>
+          <a:p>
+            <a:pPr algn="ctr"/>
+            <a:r>
+              <a:rPr lang="en-US" sz="2800" b="1" i="0" dirty="0">
+                <a:effectLst/>
+                <a:latin typeface="Söhne"/>
+              </a:rPr>
+              <a:t>Merck &amp; Co., Inc.</a:t>
+            </a:r>
+            <a:endParaRPr lang="en-US" sz="2800" dirty="0"/>
+          </a:p>
+        </p:txBody>
+      </p:sp>
+      <p:pic>
+        <p:nvPicPr>
+          <p:cNvPr id="4" name="Picture 3" descr="A graph with numbers and a red line&#10;&#10;Description automatically generated">
+            <a:extLst>
+              <a:ext uri="{FF2B5EF4-FFF2-40B4-BE49-F238E27FC236}">
+                <a16:creationId xmlns:a16="http://schemas.microsoft.com/office/drawing/2014/main" id="{D92283B6-D7DB-547F-1AD4-9AF752CF8FAA}"/>
+              </a:ext>
+            </a:extLst>
+          </p:cNvPr>
+          <p:cNvPicPr>
+            <a:picLocks noChangeAspect="1"/>
+          </p:cNvPicPr>
+          <p:nvPr/>
+        </p:nvPicPr>
+        <p:blipFill>
+          <a:blip r:embed="rId2"/>
+          <a:stretch>
+            <a:fillRect/>
+          </a:stretch>
+        </p:blipFill>
+        <p:spPr>
+          <a:xfrm>
+            <a:off x="1324765" y="2870793"/>
+            <a:ext cx="4583373" cy="3437530"/>
+          </a:xfrm>
+          <a:prstGeom prst="rect">
+            <a:avLst/>
+          </a:prstGeom>
+        </p:spPr>
+      </p:pic>
+      <p:pic>
+        <p:nvPicPr>
+          <p:cNvPr id="9" name="Picture 8" descr="A graph with numbers and a red line&#10;&#10;Description automatically generated">
+            <a:extLst>
+              <a:ext uri="{FF2B5EF4-FFF2-40B4-BE49-F238E27FC236}">
+                <a16:creationId xmlns:a16="http://schemas.microsoft.com/office/drawing/2014/main" id="{F52AE9EF-8BE8-CCE4-95A6-DF0239E55F0E}"/>
+              </a:ext>
+            </a:extLst>
+          </p:cNvPr>
+          <p:cNvPicPr>
+            <a:picLocks noChangeAspect="1"/>
+          </p:cNvPicPr>
+          <p:nvPr/>
+        </p:nvPicPr>
+        <p:blipFill>
+          <a:blip r:embed="rId3"/>
+          <a:stretch>
+            <a:fillRect/>
+          </a:stretch>
+        </p:blipFill>
+        <p:spPr>
+          <a:xfrm>
+            <a:off x="6439605" y="2870793"/>
+            <a:ext cx="4583373" cy="3437530"/>
+          </a:xfrm>
+          <a:prstGeom prst="rect">
+            <a:avLst/>
+          </a:prstGeom>
+        </p:spPr>
+      </p:pic>
+    </p:spTree>
+    <p:extLst>
+      <p:ext uri="{BB962C8B-B14F-4D97-AF65-F5344CB8AC3E}">
+        <p14:creationId xmlns:p14="http://schemas.microsoft.com/office/powerpoint/2010/main" val="1151910788"/>
+      </p:ext>
+    </p:extLst>
+  </p:cSld>
+  <p:clrMapOvr>
+    <a:masterClrMapping/>
+  </p:clrMapOvr>
+</p:sld>
+</file>
+
+<file path=ppt/slides/slide11.xml><?xml version="1.0" encoding="utf-8"?>
+<p:sld xmlns:a="http://schemas.openxmlformats.org/drawingml/2006/main" xmlns:r="http://schemas.openxmlformats.org/officeDocument/2006/relationships" xmlns:p="http://schemas.openxmlformats.org/presentationml/2006/main">
+  <p:cSld>
+    <p:spTree>
+      <p:nvGrpSpPr>
+        <p:cNvPr id="1" name=""/>
+        <p:cNvGrpSpPr/>
+        <p:nvPr/>
+      </p:nvGrpSpPr>
+      <p:grpSpPr>
+        <a:xfrm>
+          <a:off x="0" y="0"/>
+          <a:ext cx="0" cy="0"/>
+          <a:chOff x="0" y="0"/>
+          <a:chExt cx="0" cy="0"/>
+        </a:xfrm>
+      </p:grpSpPr>
+      <p:sp>
+        <p:nvSpPr>
+          <p:cNvPr id="2" name="Title 1">
+            <a:extLst>
+              <a:ext uri="{FF2B5EF4-FFF2-40B4-BE49-F238E27FC236}">
+                <a16:creationId xmlns:a16="http://schemas.microsoft.com/office/drawing/2014/main" id="{4F6A2D15-4D68-4BF7-9421-032AE6C8852C}"/>
+              </a:ext>
+            </a:extLst>
+          </p:cNvPr>
+          <p:cNvSpPr>
+            <a:spLocks noGrp="1"/>
+          </p:cNvSpPr>
+          <p:nvPr>
+            <p:ph type="title"/>
+          </p:nvPr>
+        </p:nvSpPr>
+        <p:spPr>
+          <a:xfrm>
+            <a:off x="1307008" y="336701"/>
+            <a:ext cx="9577983" cy="1325563"/>
+          </a:xfrm>
+        </p:spPr>
+        <p:txBody>
+          <a:bodyPr/>
+          <a:lstStyle/>
+          <a:p>
+            <a:r>
+              <a:rPr lang="en-US" dirty="0"/>
+              <a:t>How have the stock trends performed over time? can we Predict Future Trends?</a:t>
+            </a:r>
+          </a:p>
+        </p:txBody>
+      </p:sp>
+      <p:sp>
+        <p:nvSpPr>
+          <p:cNvPr id="25" name="Slide Number Placeholder 24">
+            <a:extLst>
+              <a:ext uri="{FF2B5EF4-FFF2-40B4-BE49-F238E27FC236}">
+                <a16:creationId xmlns:a16="http://schemas.microsoft.com/office/drawing/2014/main" id="{148E9129-4CC6-47BA-ACD8-2C632A8660EC}"/>
+              </a:ext>
+            </a:extLst>
+          </p:cNvPr>
+          <p:cNvSpPr>
+            <a:spLocks noGrp="1"/>
+          </p:cNvSpPr>
+          <p:nvPr>
+            <p:ph type="sldNum" sz="quarter" idx="12"/>
+          </p:nvPr>
+        </p:nvSpPr>
+        <p:spPr>
+          <a:xfrm>
+            <a:off x="8610600" y="6356350"/>
+            <a:ext cx="2743200" cy="365125"/>
+          </a:xfrm>
+        </p:spPr>
+        <p:txBody>
+          <a:bodyPr/>
+          <a:lstStyle/>
+          <a:p>
+            <a:fld id="{A49DFD55-3C28-40EF-9E31-A92D2E4017FF}" type="slidenum">
+              <a:rPr lang="en-US" smtClean="0"/>
+              <a:pPr/>
+              <a:t>11</a:t>
+            </a:fld>
+            <a:endParaRPr lang="en-US" dirty="0"/>
+          </a:p>
+        </p:txBody>
+      </p:sp>
+      <p:sp>
+        <p:nvSpPr>
+          <p:cNvPr id="5" name="TextBox 4">
+            <a:extLst>
+              <a:ext uri="{FF2B5EF4-FFF2-40B4-BE49-F238E27FC236}">
+                <a16:creationId xmlns:a16="http://schemas.microsoft.com/office/drawing/2014/main" id="{2254930C-D835-67EE-67EE-F1F5BDA45880}"/>
+              </a:ext>
+            </a:extLst>
+          </p:cNvPr>
+          <p:cNvSpPr txBox="1"/>
+          <p:nvPr/>
+        </p:nvSpPr>
+        <p:spPr>
+          <a:xfrm>
+            <a:off x="1856232" y="2446020"/>
+            <a:ext cx="3520440" cy="523220"/>
+          </a:xfrm>
+          <a:prstGeom prst="rect">
+            <a:avLst/>
+          </a:prstGeom>
+          <a:noFill/>
+        </p:spPr>
+        <p:txBody>
+          <a:bodyPr wrap="square" rtlCol="0">
+            <a:spAutoFit/>
+          </a:bodyPr>
+          <a:lstStyle/>
+          <a:p>
+            <a:pPr algn="ctr"/>
+            <a:r>
+              <a:rPr lang="en-US" sz="2800" b="1" i="0" dirty="0">
+                <a:effectLst/>
+                <a:latin typeface="Söhne"/>
+              </a:rPr>
+              <a:t>Organon &amp; Co.</a:t>
+            </a:r>
+            <a:endParaRPr lang="en-US" sz="2800" dirty="0"/>
+          </a:p>
+        </p:txBody>
+      </p:sp>
+      <p:sp>
+        <p:nvSpPr>
+          <p:cNvPr id="8" name="TextBox 7">
+            <a:extLst>
+              <a:ext uri="{FF2B5EF4-FFF2-40B4-BE49-F238E27FC236}">
+                <a16:creationId xmlns:a16="http://schemas.microsoft.com/office/drawing/2014/main" id="{3FDF9D8D-C677-0576-3FE3-CC3578FA803A}"/>
+              </a:ext>
+            </a:extLst>
+          </p:cNvPr>
+          <p:cNvSpPr txBox="1"/>
+          <p:nvPr/>
+        </p:nvSpPr>
+        <p:spPr>
+          <a:xfrm>
+            <a:off x="6850380" y="2493689"/>
+            <a:ext cx="3520440" cy="523220"/>
+          </a:xfrm>
+          <a:prstGeom prst="rect">
+            <a:avLst/>
+          </a:prstGeom>
+          <a:noFill/>
+        </p:spPr>
+        <p:txBody>
+          <a:bodyPr wrap="square" rtlCol="0">
+            <a:spAutoFit/>
+          </a:bodyPr>
+          <a:lstStyle/>
+          <a:p>
+            <a:pPr algn="ctr"/>
+            <a:r>
+              <a:rPr lang="en-US" sz="2800" dirty="0"/>
+              <a:t>x</a:t>
+            </a:r>
+          </a:p>
+        </p:txBody>
+      </p:sp>
+      <p:pic>
+        <p:nvPicPr>
+          <p:cNvPr id="4" name="Picture 3" descr="A graph with numbers and a red line&#10;&#10;Description automatically generated">
+            <a:extLst>
+              <a:ext uri="{FF2B5EF4-FFF2-40B4-BE49-F238E27FC236}">
+                <a16:creationId xmlns:a16="http://schemas.microsoft.com/office/drawing/2014/main" id="{F0AA019C-C0DE-45FA-0B6C-F17835D42CF3}"/>
+              </a:ext>
+            </a:extLst>
+          </p:cNvPr>
+          <p:cNvPicPr>
+            <a:picLocks noChangeAspect="1"/>
+          </p:cNvPicPr>
+          <p:nvPr/>
+        </p:nvPicPr>
+        <p:blipFill>
+          <a:blip r:embed="rId2"/>
+          <a:stretch>
+            <a:fillRect/>
+          </a:stretch>
+        </p:blipFill>
+        <p:spPr>
+          <a:xfrm>
+            <a:off x="1513361" y="3085477"/>
+            <a:ext cx="4206181" cy="3154636"/>
+          </a:xfrm>
+          <a:prstGeom prst="rect">
+            <a:avLst/>
+          </a:prstGeom>
+        </p:spPr>
+      </p:pic>
+    </p:spTree>
+    <p:extLst>
+      <p:ext uri="{BB962C8B-B14F-4D97-AF65-F5344CB8AC3E}">
+        <p14:creationId xmlns:p14="http://schemas.microsoft.com/office/powerpoint/2010/main" val="3176647607"/>
+      </p:ext>
+    </p:extLst>
+  </p:cSld>
+  <p:clrMapOvr>
+    <a:masterClrMapping/>
+  </p:clrMapOvr>
+</p:sld>
+</file>
+
+<file path=ppt/slides/slide12.xml><?xml version="1.0" encoding="utf-8"?>
+<p:sld xmlns:a="http://schemas.openxmlformats.org/drawingml/2006/main" xmlns:r="http://schemas.openxmlformats.org/officeDocument/2006/relationships" xmlns:p="http://schemas.openxmlformats.org/presentationml/2006/main">
+  <p:cSld>
+    <p:spTree>
+      <p:nvGrpSpPr>
+        <p:cNvPr id="1" name=""/>
+        <p:cNvGrpSpPr/>
+        <p:nvPr/>
+      </p:nvGrpSpPr>
+      <p:grpSpPr>
+        <a:xfrm>
+          <a:off x="0" y="0"/>
+          <a:ext cx="0" cy="0"/>
+          <a:chOff x="0" y="0"/>
+          <a:chExt cx="0" cy="0"/>
+        </a:xfrm>
+      </p:grpSpPr>
+      <p:sp>
+        <p:nvSpPr>
+          <p:cNvPr id="2" name="Title 1">
+            <a:extLst>
+              <a:ext uri="{FF2B5EF4-FFF2-40B4-BE49-F238E27FC236}">
+                <a16:creationId xmlns:a16="http://schemas.microsoft.com/office/drawing/2014/main" id="{D7370F17-7C63-2740-3929-5264F9B06095}"/>
+              </a:ext>
+            </a:extLst>
+          </p:cNvPr>
+          <p:cNvSpPr>
+            <a:spLocks noGrp="1"/>
+          </p:cNvSpPr>
+          <p:nvPr>
+            <p:ph type="title"/>
+          </p:nvPr>
+        </p:nvSpPr>
+        <p:spPr/>
+        <p:txBody>
+          <a:bodyPr/>
+          <a:lstStyle/>
+          <a:p>
+            <a:r>
+              <a:rPr lang="en-US" dirty="0"/>
+              <a:t>How can we predict future trends?</a:t>
+            </a:r>
+            <a:br>
+              <a:rPr lang="en-US" dirty="0"/>
+            </a:br>
+            <a:endParaRPr lang="en-US" dirty="0"/>
+          </a:p>
+        </p:txBody>
+      </p:sp>
+      <p:sp>
+        <p:nvSpPr>
+          <p:cNvPr id="3" name="SmartArt Placeholder 2">
+            <a:extLst>
+              <a:ext uri="{FF2B5EF4-FFF2-40B4-BE49-F238E27FC236}">
+                <a16:creationId xmlns:a16="http://schemas.microsoft.com/office/drawing/2014/main" id="{204115AA-6716-606A-E787-021915C3FAAB}"/>
+              </a:ext>
+            </a:extLst>
+          </p:cNvPr>
+          <p:cNvSpPr>
+            <a:spLocks noGrp="1"/>
+          </p:cNvSpPr>
+          <p:nvPr>
+            <p:ph type="dgm" sz="quarter" idx="15"/>
+          </p:nvPr>
+        </p:nvSpPr>
+        <p:spPr/>
+        <p:txBody>
+          <a:bodyPr/>
+          <a:lstStyle/>
+          <a:p>
+            <a:pPr marL="0" indent="0">
+              <a:buNone/>
+            </a:pPr>
+            <a:r>
+              <a:rPr lang="en-US" dirty="0"/>
+              <a:t>Text &amp; Graphs</a:t>
+            </a:r>
+          </a:p>
+        </p:txBody>
+      </p:sp>
+      <p:sp>
+        <p:nvSpPr>
+          <p:cNvPr id="6" name="Slide Number Placeholder 5">
+            <a:extLst>
+              <a:ext uri="{FF2B5EF4-FFF2-40B4-BE49-F238E27FC236}">
+                <a16:creationId xmlns:a16="http://schemas.microsoft.com/office/drawing/2014/main" id="{62F106EA-6BED-61C6-242D-D8156F8E995B}"/>
+              </a:ext>
+            </a:extLst>
+          </p:cNvPr>
+          <p:cNvSpPr>
+            <a:spLocks noGrp="1"/>
+          </p:cNvSpPr>
+          <p:nvPr>
+            <p:ph type="sldNum" sz="quarter" idx="12"/>
+          </p:nvPr>
+        </p:nvSpPr>
+        <p:spPr/>
+        <p:txBody>
+          <a:bodyPr/>
+          <a:lstStyle/>
+          <a:p>
+            <a:fld id="{A49DFD55-3C28-40EF-9E31-A92D2E4017FF}" type="slidenum">
+              <a:rPr lang="en-US" smtClean="0"/>
+              <a:pPr/>
+              <a:t>12</a:t>
+            </a:fld>
+            <a:endParaRPr lang="en-US" dirty="0"/>
+          </a:p>
+        </p:txBody>
+      </p:sp>
+    </p:spTree>
+    <p:extLst>
+      <p:ext uri="{BB962C8B-B14F-4D97-AF65-F5344CB8AC3E}">
+        <p14:creationId xmlns:p14="http://schemas.microsoft.com/office/powerpoint/2010/main" val="2537772617"/>
+      </p:ext>
+    </p:extLst>
+  </p:cSld>
+  <p:clrMapOvr>
+    <a:masterClrMapping/>
+  </p:clrMapOvr>
+</p:sld>
+</file>
+
+<file path=ppt/slides/slide13.xml><?xml version="1.0" encoding="utf-8"?>
+<p:sld xmlns:a="http://schemas.openxmlformats.org/drawingml/2006/main" xmlns:r="http://schemas.openxmlformats.org/officeDocument/2006/relationships" xmlns:p="http://schemas.openxmlformats.org/presentationml/2006/main">
+  <p:cSld>
+    <p:spTree>
+      <p:nvGrpSpPr>
+        <p:cNvPr id="1" name=""/>
+        <p:cNvGrpSpPr/>
+        <p:nvPr/>
+      </p:nvGrpSpPr>
+      <p:grpSpPr>
+        <a:xfrm>
+          <a:off x="0" y="0"/>
+          <a:ext cx="0" cy="0"/>
+          <a:chOff x="0" y="0"/>
+          <a:chExt cx="0" cy="0"/>
+        </a:xfrm>
+      </p:grpSpPr>
+      <p:sp>
+        <p:nvSpPr>
+          <p:cNvPr id="2" name="Title 1">
+            <a:extLst>
+              <a:ext uri="{FF2B5EF4-FFF2-40B4-BE49-F238E27FC236}">
+                <a16:creationId xmlns:a16="http://schemas.microsoft.com/office/drawing/2014/main" id="{8BDF1EDE-5423-435C-B149-87AB1BC22B83}"/>
+              </a:ext>
+            </a:extLst>
+          </p:cNvPr>
+          <p:cNvSpPr>
+            <a:spLocks noGrp="1"/>
+          </p:cNvSpPr>
+          <p:nvPr>
+            <p:ph type="ctrTitle"/>
+          </p:nvPr>
+        </p:nvSpPr>
+        <p:spPr>
+          <a:xfrm>
+            <a:off x="4267200" y="351693"/>
+            <a:ext cx="4179570" cy="2453652"/>
+          </a:xfrm>
+        </p:spPr>
+        <p:txBody>
+          <a:bodyPr/>
+          <a:lstStyle/>
+          <a:p>
+            <a:r>
+              <a:rPr lang="en-US" dirty="0"/>
+              <a:t>THANK YOU</a:t>
+            </a:r>
+          </a:p>
+        </p:txBody>
+      </p:sp>
+      <p:sp>
+        <p:nvSpPr>
+          <p:cNvPr id="3" name="Subtitle 2">
+            <a:extLst>
+              <a:ext uri="{FF2B5EF4-FFF2-40B4-BE49-F238E27FC236}">
+                <a16:creationId xmlns:a16="http://schemas.microsoft.com/office/drawing/2014/main" id="{AF64C29E-DF30-4DC6-AB95-2016F9A703B6}"/>
+              </a:ext>
+            </a:extLst>
+          </p:cNvPr>
+          <p:cNvSpPr>
+            <a:spLocks noGrp="1"/>
+          </p:cNvSpPr>
+          <p:nvPr>
+            <p:ph type="subTitle" idx="1"/>
+          </p:nvPr>
+        </p:nvSpPr>
+        <p:spPr>
+          <a:xfrm>
+            <a:off x="4267200" y="3238103"/>
+            <a:ext cx="4179570" cy="2107620"/>
+          </a:xfrm>
+        </p:spPr>
+        <p:txBody>
+          <a:bodyPr>
+            <a:normAutofit/>
+          </a:bodyPr>
+          <a:lstStyle/>
+          <a:p>
+            <a:r>
+              <a:rPr lang="en-US" dirty="0"/>
+              <a:t>Mirjam Nilsson</a:t>
+            </a:r>
+          </a:p>
+          <a:p>
+            <a:r>
+              <a:rPr lang="en-US" dirty="0"/>
+              <a:t>mirjam@contoso.com</a:t>
+            </a:r>
+          </a:p>
+          <a:p>
+            <a:r>
+              <a:rPr lang="en-US" dirty="0"/>
+              <a:t>www.contoso.com</a:t>
+            </a:r>
+          </a:p>
+        </p:txBody>
+      </p:sp>
+      <p:sp>
+        <p:nvSpPr>
+          <p:cNvPr id="6" name="Slide Number Placeholder 5">
+            <a:extLst>
+              <a:ext uri="{FF2B5EF4-FFF2-40B4-BE49-F238E27FC236}">
+                <a16:creationId xmlns:a16="http://schemas.microsoft.com/office/drawing/2014/main" id="{4C127D99-645F-4FCF-9573-FDFE2A344FA9}"/>
+              </a:ext>
+            </a:extLst>
+          </p:cNvPr>
+          <p:cNvSpPr>
+            <a:spLocks noGrp="1"/>
+          </p:cNvSpPr>
+          <p:nvPr>
+            <p:ph type="sldNum" sz="quarter" idx="12"/>
+          </p:nvPr>
+        </p:nvSpPr>
+        <p:spPr>
+          <a:xfrm>
+            <a:off x="9579428" y="6356350"/>
+            <a:ext cx="1774371" cy="365125"/>
+          </a:xfrm>
+        </p:spPr>
+        <p:txBody>
+          <a:bodyPr/>
+          <a:lstStyle/>
+          <a:p>
+            <a:fld id="{A49DFD55-3C28-40EF-9E31-A92D2E4017FF}" type="slidenum">
+              <a:rPr lang="en-US" smtClean="0"/>
+              <a:pPr/>
+              <a:t>13</a:t>
+            </a:fld>
+            <a:endParaRPr lang="en-US" dirty="0"/>
+          </a:p>
+        </p:txBody>
+      </p:sp>
+    </p:spTree>
+    <p:extLst>
+      <p:ext uri="{BB962C8B-B14F-4D97-AF65-F5344CB8AC3E}">
+        <p14:creationId xmlns:p14="http://schemas.microsoft.com/office/powerpoint/2010/main" val="1969787568"/>
+      </p:ext>
+    </p:extLst>
+  </p:cSld>
+  <p:clrMapOvr>
+    <a:masterClrMapping/>
+  </p:clrMapOvr>
+</p:sld>
+</file>
+
 <file path=ppt/slides/slide2.xml><?xml version="1.0" encoding="utf-8"?>
 <p:sld xmlns:a="http://schemas.openxmlformats.org/drawingml/2006/main" xmlns:r="http://schemas.openxmlformats.org/officeDocument/2006/relationships" xmlns:p="http://schemas.openxmlformats.org/presentationml/2006/main">
   <p:cSld>
@@ -9846,72 +10560,6 @@
             <a:r>
               <a:rPr lang="en-US" dirty="0"/>
               <a:t>Anon wants to invest in pharmaceutical stock and is unsure which one(s) they should invest in. We have compiled stock data from 10 different pharmaceutical companies within the S&amp;P 500 stock index. We created graphs and data frames to compare each company and made a professional opinion based on the collected data.</a:t>
-            </a:r>
-          </a:p>
-        </p:txBody>
-      </p:sp>
-      <p:sp>
-        <p:nvSpPr>
-          <p:cNvPr id="5" name="Date Placeholder 4">
-            <a:extLst>
-              <a:ext uri="{FF2B5EF4-FFF2-40B4-BE49-F238E27FC236}">
-                <a16:creationId xmlns:a16="http://schemas.microsoft.com/office/drawing/2014/main" id="{9AB5BAF8-EA80-4AD4-8D83-5960C299573A}"/>
-              </a:ext>
-            </a:extLst>
-          </p:cNvPr>
-          <p:cNvSpPr>
-            <a:spLocks noGrp="1"/>
-          </p:cNvSpPr>
-          <p:nvPr>
-            <p:ph type="dt" sz="half" idx="10"/>
-          </p:nvPr>
-        </p:nvSpPr>
-        <p:spPr>
-          <a:xfrm>
-            <a:off x="1333500" y="6356350"/>
-            <a:ext cx="985157" cy="365125"/>
-          </a:xfrm>
-        </p:spPr>
-        <p:txBody>
-          <a:bodyPr/>
-          <a:lstStyle/>
-          <a:p>
-            <a:r>
-              <a:rPr lang="en-US" dirty="0"/>
-              <a:t>20XX</a:t>
-            </a:r>
-          </a:p>
-        </p:txBody>
-      </p:sp>
-      <p:sp>
-        <p:nvSpPr>
-          <p:cNvPr id="4" name="Footer Placeholder 3">
-            <a:extLst>
-              <a:ext uri="{FF2B5EF4-FFF2-40B4-BE49-F238E27FC236}">
-                <a16:creationId xmlns:a16="http://schemas.microsoft.com/office/drawing/2014/main" id="{36C19884-873C-4D13-BE6D-318CF07B0D12}"/>
-              </a:ext>
-            </a:extLst>
-          </p:cNvPr>
-          <p:cNvSpPr>
-            <a:spLocks noGrp="1"/>
-          </p:cNvSpPr>
-          <p:nvPr>
-            <p:ph type="ftr" sz="quarter" idx="11"/>
-          </p:nvPr>
-        </p:nvSpPr>
-        <p:spPr>
-          <a:xfrm>
-            <a:off x="2669886" y="6356349"/>
-            <a:ext cx="2482842" cy="365125"/>
-          </a:xfrm>
-        </p:spPr>
-        <p:txBody>
-          <a:bodyPr/>
-          <a:lstStyle/>
-          <a:p>
-            <a:r>
-              <a:rPr lang="en-US" dirty="0"/>
-              <a:t>PRESENTATION TITLE</a:t>
             </a:r>
           </a:p>
         </p:txBody>
@@ -10103,72 +10751,6 @@
       </p:sp>
       <p:sp>
         <p:nvSpPr>
-          <p:cNvPr id="4" name="Date Placeholder 3">
-            <a:extLst>
-              <a:ext uri="{FF2B5EF4-FFF2-40B4-BE49-F238E27FC236}">
-                <a16:creationId xmlns:a16="http://schemas.microsoft.com/office/drawing/2014/main" id="{70E12647-CCB2-45E2-A9CB-A868F490497E}"/>
-              </a:ext>
-            </a:extLst>
-          </p:cNvPr>
-          <p:cNvSpPr>
-            <a:spLocks noGrp="1"/>
-          </p:cNvSpPr>
-          <p:nvPr>
-            <p:ph type="dt" sz="half" idx="10"/>
-          </p:nvPr>
-        </p:nvSpPr>
-        <p:spPr>
-          <a:xfrm>
-            <a:off x="838200" y="6356350"/>
-            <a:ext cx="1219200" cy="365125"/>
-          </a:xfrm>
-        </p:spPr>
-        <p:txBody>
-          <a:bodyPr/>
-          <a:lstStyle/>
-          <a:p>
-            <a:r>
-              <a:rPr lang="en-US" dirty="0"/>
-              <a:t>20XX</a:t>
-            </a:r>
-          </a:p>
-        </p:txBody>
-      </p:sp>
-      <p:sp>
-        <p:nvSpPr>
-          <p:cNvPr id="5" name="Footer Placeholder 4">
-            <a:extLst>
-              <a:ext uri="{FF2B5EF4-FFF2-40B4-BE49-F238E27FC236}">
-                <a16:creationId xmlns:a16="http://schemas.microsoft.com/office/drawing/2014/main" id="{8D51ED20-04D4-4894-B0C2-9C541A61A734}"/>
-              </a:ext>
-            </a:extLst>
-          </p:cNvPr>
-          <p:cNvSpPr>
-            <a:spLocks noGrp="1"/>
-          </p:cNvSpPr>
-          <p:nvPr>
-            <p:ph type="ftr" sz="quarter" idx="11"/>
-          </p:nvPr>
-        </p:nvSpPr>
-        <p:spPr>
-          <a:xfrm>
-            <a:off x="2463800" y="6356350"/>
-            <a:ext cx="3479800" cy="365125"/>
-          </a:xfrm>
-        </p:spPr>
-        <p:txBody>
-          <a:bodyPr/>
-          <a:lstStyle/>
-          <a:p>
-            <a:r>
-              <a:rPr lang="en-US" dirty="0"/>
-              <a:t>PRESENTATION TITLE</a:t>
-            </a:r>
-          </a:p>
-        </p:txBody>
-      </p:sp>
-      <p:sp>
-        <p:nvSpPr>
           <p:cNvPr id="6" name="Slide Number Placeholder 5">
             <a:extLst>
               <a:ext uri="{FF2B5EF4-FFF2-40B4-BE49-F238E27FC236}">
@@ -10462,72 +11044,6 @@
       </p:sp>
       <p:sp>
         <p:nvSpPr>
-          <p:cNvPr id="6" name="Date Placeholder 5">
-            <a:extLst>
-              <a:ext uri="{FF2B5EF4-FFF2-40B4-BE49-F238E27FC236}">
-                <a16:creationId xmlns:a16="http://schemas.microsoft.com/office/drawing/2014/main" id="{3627CC26-34EF-4BB9-B289-9EC56B07D1E6}"/>
-              </a:ext>
-            </a:extLst>
-          </p:cNvPr>
-          <p:cNvSpPr>
-            <a:spLocks noGrp="1"/>
-          </p:cNvSpPr>
-          <p:nvPr>
-            <p:ph type="dt" sz="half" idx="10"/>
-          </p:nvPr>
-        </p:nvSpPr>
-        <p:spPr>
-          <a:xfrm>
-            <a:off x="838200" y="6356350"/>
-            <a:ext cx="2743200" cy="365125"/>
-          </a:xfrm>
-        </p:spPr>
-        <p:txBody>
-          <a:bodyPr/>
-          <a:lstStyle/>
-          <a:p>
-            <a:r>
-              <a:rPr lang="en-US" dirty="0"/>
-              <a:t>20XX</a:t>
-            </a:r>
-          </a:p>
-        </p:txBody>
-      </p:sp>
-      <p:sp>
-        <p:nvSpPr>
-          <p:cNvPr id="7" name="Footer Placeholder 6">
-            <a:extLst>
-              <a:ext uri="{FF2B5EF4-FFF2-40B4-BE49-F238E27FC236}">
-                <a16:creationId xmlns:a16="http://schemas.microsoft.com/office/drawing/2014/main" id="{4E98E6AD-9D37-499C-898E-ED12AC36D31D}"/>
-              </a:ext>
-            </a:extLst>
-          </p:cNvPr>
-          <p:cNvSpPr>
-            <a:spLocks noGrp="1"/>
-          </p:cNvSpPr>
-          <p:nvPr>
-            <p:ph type="ftr" sz="quarter" idx="11"/>
-          </p:nvPr>
-        </p:nvSpPr>
-        <p:spPr>
-          <a:xfrm>
-            <a:off x="4038600" y="6356350"/>
-            <a:ext cx="4114800" cy="365125"/>
-          </a:xfrm>
-        </p:spPr>
-        <p:txBody>
-          <a:bodyPr/>
-          <a:lstStyle/>
-          <a:p>
-            <a:r>
-              <a:rPr lang="en-US" dirty="0"/>
-              <a:t>PRESENTATION TITLE</a:t>
-            </a:r>
-          </a:p>
-        </p:txBody>
-      </p:sp>
-      <p:sp>
-        <p:nvSpPr>
           <p:cNvPr id="8" name="Slide Number Placeholder 7">
             <a:extLst>
               <a:ext uri="{FF2B5EF4-FFF2-40B4-BE49-F238E27FC236}">
@@ -10624,7 +11140,7 @@
           <p:cNvPr id="2" name="Title 1">
             <a:extLst>
               <a:ext uri="{FF2B5EF4-FFF2-40B4-BE49-F238E27FC236}">
-                <a16:creationId xmlns:a16="http://schemas.microsoft.com/office/drawing/2014/main" id="{4F6A2D15-4D68-4BF7-9421-032AE6C8852C}"/>
+                <a16:creationId xmlns:a16="http://schemas.microsoft.com/office/drawing/2014/main" id="{C52999EB-7966-833F-E871-94803A638EE4}"/>
               </a:ext>
             </a:extLst>
           </p:cNvPr>
@@ -10635,97 +11151,24 @@
             <p:ph type="title"/>
           </p:nvPr>
         </p:nvSpPr>
-        <p:spPr>
-          <a:xfrm>
-            <a:off x="1307008" y="336701"/>
-            <a:ext cx="9577983" cy="1325563"/>
-          </a:xfrm>
-        </p:spPr>
+        <p:spPr/>
         <p:txBody>
           <a:bodyPr/>
           <a:lstStyle/>
           <a:p>
             <a:r>
               <a:rPr lang="en-US" dirty="0"/>
-              <a:t>How have the stock trends performed over time?</a:t>
-            </a:r>
-          </a:p>
-        </p:txBody>
-      </p:sp>
-      <p:sp>
-        <p:nvSpPr>
-          <p:cNvPr id="23" name="Date Placeholder 22">
-            <a:extLst>
-              <a:ext uri="{FF2B5EF4-FFF2-40B4-BE49-F238E27FC236}">
-                <a16:creationId xmlns:a16="http://schemas.microsoft.com/office/drawing/2014/main" id="{637DEDF5-3FCD-4BC2-86A5-7BE2BF01EA38}"/>
-              </a:ext>
-            </a:extLst>
-          </p:cNvPr>
-          <p:cNvSpPr>
-            <a:spLocks noGrp="1"/>
-          </p:cNvSpPr>
-          <p:nvPr>
-            <p:ph type="dt" sz="half" idx="10"/>
-          </p:nvPr>
-        </p:nvSpPr>
-        <p:spPr>
-          <a:xfrm>
-            <a:off x="838200" y="6356350"/>
-            <a:ext cx="2743200" cy="365125"/>
-          </a:xfrm>
-        </p:spPr>
-        <p:txBody>
-          <a:bodyPr/>
-          <a:lstStyle/>
-          <a:p>
-            <a:r>
-              <a:rPr lang="en-US"/>
-              <a:t>20XX</a:t>
-            </a:r>
-            <a:endParaRPr lang="en-US" dirty="0"/>
-          </a:p>
-        </p:txBody>
-      </p:sp>
-      <p:sp>
-        <p:nvSpPr>
-          <p:cNvPr id="24" name="Footer Placeholder 23">
-            <a:extLst>
-              <a:ext uri="{FF2B5EF4-FFF2-40B4-BE49-F238E27FC236}">
-                <a16:creationId xmlns:a16="http://schemas.microsoft.com/office/drawing/2014/main" id="{918C3C97-444D-4600-8553-B9C4C1F8483B}"/>
-              </a:ext>
-            </a:extLst>
-          </p:cNvPr>
-          <p:cNvSpPr>
-            <a:spLocks noGrp="1"/>
-          </p:cNvSpPr>
-          <p:nvPr>
-            <p:ph type="ftr" sz="quarter" idx="11"/>
-          </p:nvPr>
-        </p:nvSpPr>
-        <p:spPr>
-          <a:xfrm>
-            <a:off x="4038600" y="6356350"/>
-            <a:ext cx="4114800" cy="365125"/>
-          </a:xfrm>
-        </p:spPr>
-        <p:txBody>
-          <a:bodyPr/>
-          <a:lstStyle/>
-          <a:p>
-            <a:r>
-              <a:rPr lang="en-US"/>
-              <a:t>PRESENTATION TITLE</a:t>
-            </a:r>
-            <a:endParaRPr lang="en-US" dirty="0"/>
-          </a:p>
-        </p:txBody>
-      </p:sp>
-      <p:sp>
-        <p:nvSpPr>
-          <p:cNvPr id="25" name="Slide Number Placeholder 24">
-            <a:extLst>
-              <a:ext uri="{FF2B5EF4-FFF2-40B4-BE49-F238E27FC236}">
-                <a16:creationId xmlns:a16="http://schemas.microsoft.com/office/drawing/2014/main" id="{148E9129-4CC6-47BA-ACD8-2C632A8660EC}"/>
+              <a:t>Overall Performance</a:t>
+            </a:r>
+          </a:p>
+        </p:txBody>
+      </p:sp>
+      <p:sp>
+        <p:nvSpPr>
+          <p:cNvPr id="6" name="Slide Number Placeholder 5">
+            <a:extLst>
+              <a:ext uri="{FF2B5EF4-FFF2-40B4-BE49-F238E27FC236}">
+                <a16:creationId xmlns:a16="http://schemas.microsoft.com/office/drawing/2014/main" id="{1565A3B2-2534-0B65-CE19-3E8466A7AFFE}"/>
               </a:ext>
             </a:extLst>
           </p:cNvPr>
@@ -10736,12 +11179,7 @@
             <p:ph type="sldNum" sz="quarter" idx="12"/>
           </p:nvPr>
         </p:nvSpPr>
-        <p:spPr>
-          <a:xfrm>
-            <a:off x="8610600" y="6356350"/>
-            <a:ext cx="2743200" cy="365125"/>
-          </a:xfrm>
-        </p:spPr>
+        <p:spPr/>
         <p:txBody>
           <a:bodyPr/>
           <a:lstStyle/>
@@ -10757,10 +11195,10 @@
       </p:sp>
       <p:pic>
         <p:nvPicPr>
-          <p:cNvPr id="4" name="Picture 3" descr="A graph with blue dots and red line&#10;&#10;Description automatically generated">
-            <a:extLst>
-              <a:ext uri="{FF2B5EF4-FFF2-40B4-BE49-F238E27FC236}">
-                <a16:creationId xmlns:a16="http://schemas.microsoft.com/office/drawing/2014/main" id="{CED44DC4-1D1A-368B-42E3-4E728CCB576A}"/>
+          <p:cNvPr id="8" name="Picture 7" descr="A graph of different colored lines&#10;&#10;Description automatically generated">
+            <a:extLst>
+              <a:ext uri="{FF2B5EF4-FFF2-40B4-BE49-F238E27FC236}">
+                <a16:creationId xmlns:a16="http://schemas.microsoft.com/office/drawing/2014/main" id="{08F12CE8-52A9-3FAB-4F4E-37D2FDB970C1}"/>
               </a:ext>
             </a:extLst>
           </p:cNvPr>
@@ -10777,127 +11215,18 @@
         </p:blipFill>
         <p:spPr>
           <a:xfrm>
-            <a:off x="1307008" y="2948940"/>
-            <a:ext cx="4498404" cy="3373803"/>
+            <a:off x="2940812" y="1459866"/>
+            <a:ext cx="6310376" cy="4732782"/>
           </a:xfrm>
           <a:prstGeom prst="rect">
             <a:avLst/>
           </a:prstGeom>
         </p:spPr>
       </p:pic>
-      <p:sp>
-        <p:nvSpPr>
-          <p:cNvPr id="5" name="TextBox 4">
-            <a:extLst>
-              <a:ext uri="{FF2B5EF4-FFF2-40B4-BE49-F238E27FC236}">
-                <a16:creationId xmlns:a16="http://schemas.microsoft.com/office/drawing/2014/main" id="{2254930C-D835-67EE-67EE-F1F5BDA45880}"/>
-              </a:ext>
-            </a:extLst>
-          </p:cNvPr>
-          <p:cNvSpPr txBox="1"/>
-          <p:nvPr/>
-        </p:nvSpPr>
-        <p:spPr>
-          <a:xfrm>
-            <a:off x="1856232" y="2446020"/>
-            <a:ext cx="3520440" cy="523220"/>
-          </a:xfrm>
-          <a:prstGeom prst="rect">
-            <a:avLst/>
-          </a:prstGeom>
-          <a:noFill/>
-        </p:spPr>
-        <p:txBody>
-          <a:bodyPr wrap="square" rtlCol="0">
-            <a:spAutoFit/>
-          </a:bodyPr>
-          <a:lstStyle/>
-          <a:p>
-            <a:pPr algn="ctr"/>
-            <a:r>
-              <a:rPr lang="en-US" sz="2800" dirty="0"/>
-              <a:t>AbbVie Inc</a:t>
-            </a:r>
-          </a:p>
-        </p:txBody>
-      </p:sp>
-      <p:pic>
-        <p:nvPicPr>
-          <p:cNvPr id="7" name="Picture 6" descr="A graph with numbers and dots&#10;&#10;Description automatically generated">
-            <a:extLst>
-              <a:ext uri="{FF2B5EF4-FFF2-40B4-BE49-F238E27FC236}">
-                <a16:creationId xmlns:a16="http://schemas.microsoft.com/office/drawing/2014/main" id="{78F7721C-CC3A-DC1E-99A4-7541D84AE9A6}"/>
-              </a:ext>
-            </a:extLst>
-          </p:cNvPr>
-          <p:cNvPicPr>
-            <a:picLocks noChangeAspect="1"/>
-          </p:cNvPicPr>
-          <p:nvPr/>
-        </p:nvPicPr>
-        <p:blipFill>
-          <a:blip r:embed="rId3"/>
-          <a:stretch>
-            <a:fillRect/>
-          </a:stretch>
-        </p:blipFill>
-        <p:spPr>
-          <a:xfrm>
-            <a:off x="6460235" y="3008495"/>
-            <a:ext cx="4463807" cy="3347855"/>
-          </a:xfrm>
-          <a:prstGeom prst="rect">
-            <a:avLst/>
-          </a:prstGeom>
-        </p:spPr>
-      </p:pic>
-      <p:sp>
-        <p:nvSpPr>
-          <p:cNvPr id="8" name="TextBox 7">
-            <a:extLst>
-              <a:ext uri="{FF2B5EF4-FFF2-40B4-BE49-F238E27FC236}">
-                <a16:creationId xmlns:a16="http://schemas.microsoft.com/office/drawing/2014/main" id="{3FDF9D8D-C677-0576-3FE3-CC3578FA803A}"/>
-              </a:ext>
-            </a:extLst>
-          </p:cNvPr>
-          <p:cNvSpPr txBox="1"/>
-          <p:nvPr/>
-        </p:nvSpPr>
-        <p:spPr>
-          <a:xfrm>
-            <a:off x="6931918" y="2166316"/>
-            <a:ext cx="3520440" cy="954107"/>
-          </a:xfrm>
-          <a:prstGeom prst="rect">
-            <a:avLst/>
-          </a:prstGeom>
-          <a:noFill/>
-        </p:spPr>
-        <p:txBody>
-          <a:bodyPr wrap="square" rtlCol="0">
-            <a:spAutoFit/>
-          </a:bodyPr>
-          <a:lstStyle/>
-          <a:p>
-            <a:pPr algn="ctr"/>
-            <a:r>
-              <a:rPr lang="en-US" sz="2800" b="0" i="0" dirty="0">
-                <a:solidFill>
-                  <a:srgbClr val="202124"/>
-                </a:solidFill>
-                <a:effectLst/>
-                <a:latin typeface="Google Sans"/>
-              </a:rPr>
-              <a:t>Bristol-Myers Squibb Co</a:t>
-            </a:r>
-            <a:endParaRPr lang="en-US" sz="2800" dirty="0"/>
-          </a:p>
-        </p:txBody>
-      </p:sp>
     </p:spTree>
     <p:extLst>
       <p:ext uri="{BB962C8B-B14F-4D97-AF65-F5344CB8AC3E}">
-        <p14:creationId xmlns:p14="http://schemas.microsoft.com/office/powerpoint/2010/main" val="2619301236"/>
+        <p14:creationId xmlns:p14="http://schemas.microsoft.com/office/powerpoint/2010/main" val="2907688502"/>
       </p:ext>
     </p:extLst>
   </p:cSld>
@@ -10929,7 +11258,7 @@
           <p:cNvPr id="2" name="Title 1">
             <a:extLst>
               <a:ext uri="{FF2B5EF4-FFF2-40B4-BE49-F238E27FC236}">
-                <a16:creationId xmlns:a16="http://schemas.microsoft.com/office/drawing/2014/main" id="{4F6A2D15-4D68-4BF7-9421-032AE6C8852C}"/>
+                <a16:creationId xmlns:a16="http://schemas.microsoft.com/office/drawing/2014/main" id="{3E25B60B-1A57-4F79-992B-C85E46A8A943}"/>
               </a:ext>
             </a:extLst>
           </p:cNvPr>
@@ -10940,97 +11269,24 @@
             <p:ph type="title"/>
           </p:nvPr>
         </p:nvSpPr>
-        <p:spPr>
-          <a:xfrm>
-            <a:off x="1307008" y="336701"/>
-            <a:ext cx="9577983" cy="1325563"/>
-          </a:xfrm>
-        </p:spPr>
+        <p:spPr/>
         <p:txBody>
           <a:bodyPr/>
           <a:lstStyle/>
           <a:p>
             <a:r>
               <a:rPr lang="en-US" dirty="0"/>
-              <a:t>How have the stock trends performed over time?</a:t>
-            </a:r>
-          </a:p>
-        </p:txBody>
-      </p:sp>
-      <p:sp>
-        <p:nvSpPr>
-          <p:cNvPr id="23" name="Date Placeholder 22">
-            <a:extLst>
-              <a:ext uri="{FF2B5EF4-FFF2-40B4-BE49-F238E27FC236}">
-                <a16:creationId xmlns:a16="http://schemas.microsoft.com/office/drawing/2014/main" id="{637DEDF5-3FCD-4BC2-86A5-7BE2BF01EA38}"/>
-              </a:ext>
-            </a:extLst>
-          </p:cNvPr>
-          <p:cNvSpPr>
-            <a:spLocks noGrp="1"/>
-          </p:cNvSpPr>
-          <p:nvPr>
-            <p:ph type="dt" sz="half" idx="10"/>
-          </p:nvPr>
-        </p:nvSpPr>
-        <p:spPr>
-          <a:xfrm>
-            <a:off x="838200" y="6356350"/>
-            <a:ext cx="2743200" cy="365125"/>
-          </a:xfrm>
-        </p:spPr>
-        <p:txBody>
-          <a:bodyPr/>
-          <a:lstStyle/>
-          <a:p>
-            <a:r>
-              <a:rPr lang="en-US"/>
-              <a:t>20XX</a:t>
-            </a:r>
-            <a:endParaRPr lang="en-US" dirty="0"/>
-          </a:p>
-        </p:txBody>
-      </p:sp>
-      <p:sp>
-        <p:nvSpPr>
-          <p:cNvPr id="24" name="Footer Placeholder 23">
-            <a:extLst>
-              <a:ext uri="{FF2B5EF4-FFF2-40B4-BE49-F238E27FC236}">
-                <a16:creationId xmlns:a16="http://schemas.microsoft.com/office/drawing/2014/main" id="{918C3C97-444D-4600-8553-B9C4C1F8483B}"/>
-              </a:ext>
-            </a:extLst>
-          </p:cNvPr>
-          <p:cNvSpPr>
-            <a:spLocks noGrp="1"/>
-          </p:cNvSpPr>
-          <p:nvPr>
-            <p:ph type="ftr" sz="quarter" idx="11"/>
-          </p:nvPr>
-        </p:nvSpPr>
-        <p:spPr>
-          <a:xfrm>
-            <a:off x="4038600" y="6356350"/>
-            <a:ext cx="4114800" cy="365125"/>
-          </a:xfrm>
-        </p:spPr>
-        <p:txBody>
-          <a:bodyPr/>
-          <a:lstStyle/>
-          <a:p>
-            <a:r>
-              <a:rPr lang="en-US"/>
-              <a:t>PRESENTATION TITLE</a:t>
-            </a:r>
-            <a:endParaRPr lang="en-US" dirty="0"/>
-          </a:p>
-        </p:txBody>
-      </p:sp>
-      <p:sp>
-        <p:nvSpPr>
-          <p:cNvPr id="25" name="Slide Number Placeholder 24">
-            <a:extLst>
-              <a:ext uri="{FF2B5EF4-FFF2-40B4-BE49-F238E27FC236}">
-                <a16:creationId xmlns:a16="http://schemas.microsoft.com/office/drawing/2014/main" id="{148E9129-4CC6-47BA-ACD8-2C632A8660EC}"/>
+              <a:t>Same Data. Two Stories</a:t>
+            </a:r>
+          </a:p>
+        </p:txBody>
+      </p:sp>
+      <p:sp>
+        <p:nvSpPr>
+          <p:cNvPr id="6" name="Slide Number Placeholder 5">
+            <a:extLst>
+              <a:ext uri="{FF2B5EF4-FFF2-40B4-BE49-F238E27FC236}">
+                <a16:creationId xmlns:a16="http://schemas.microsoft.com/office/drawing/2014/main" id="{ED3726F8-788B-0A71-C017-C2F40CE573AE}"/>
               </a:ext>
             </a:extLst>
           </p:cNvPr>
@@ -11041,12 +11297,7 @@
             <p:ph type="sldNum" sz="quarter" idx="12"/>
           </p:nvPr>
         </p:nvSpPr>
-        <p:spPr>
-          <a:xfrm>
-            <a:off x="8610600" y="6356350"/>
-            <a:ext cx="2743200" cy="365125"/>
-          </a:xfrm>
-        </p:spPr>
+        <p:spPr/>
         <p:txBody>
           <a:bodyPr/>
           <a:lstStyle/>
@@ -11060,98 +11311,12 @@
           </a:p>
         </p:txBody>
       </p:sp>
-      <p:sp>
-        <p:nvSpPr>
-          <p:cNvPr id="5" name="TextBox 4">
-            <a:extLst>
-              <a:ext uri="{FF2B5EF4-FFF2-40B4-BE49-F238E27FC236}">
-                <a16:creationId xmlns:a16="http://schemas.microsoft.com/office/drawing/2014/main" id="{2254930C-D835-67EE-67EE-F1F5BDA45880}"/>
-              </a:ext>
-            </a:extLst>
-          </p:cNvPr>
-          <p:cNvSpPr txBox="1"/>
-          <p:nvPr/>
-        </p:nvSpPr>
-        <p:spPr>
-          <a:xfrm>
-            <a:off x="1856232" y="2446020"/>
-            <a:ext cx="3520440" cy="523220"/>
-          </a:xfrm>
-          <a:prstGeom prst="rect">
-            <a:avLst/>
-          </a:prstGeom>
-          <a:noFill/>
-        </p:spPr>
-        <p:txBody>
-          <a:bodyPr wrap="square" rtlCol="0">
-            <a:spAutoFit/>
-          </a:bodyPr>
-          <a:lstStyle/>
-          <a:p>
-            <a:pPr algn="ctr"/>
-            <a:r>
-              <a:rPr lang="en-US" sz="2800" b="0" i="0" dirty="0">
-                <a:solidFill>
-                  <a:srgbClr val="202124"/>
-                </a:solidFill>
-                <a:effectLst/>
-                <a:latin typeface="Google Sans"/>
-              </a:rPr>
-              <a:t>Catalent Inc</a:t>
-            </a:r>
-            <a:endParaRPr lang="en-US" sz="2800" dirty="0"/>
-          </a:p>
-        </p:txBody>
-      </p:sp>
-      <p:sp>
-        <p:nvSpPr>
-          <p:cNvPr id="8" name="TextBox 7">
-            <a:extLst>
-              <a:ext uri="{FF2B5EF4-FFF2-40B4-BE49-F238E27FC236}">
-                <a16:creationId xmlns:a16="http://schemas.microsoft.com/office/drawing/2014/main" id="{3FDF9D8D-C677-0576-3FE3-CC3578FA803A}"/>
-              </a:ext>
-            </a:extLst>
-          </p:cNvPr>
-          <p:cNvSpPr txBox="1"/>
-          <p:nvPr/>
-        </p:nvSpPr>
-        <p:spPr>
-          <a:xfrm>
-            <a:off x="6896805" y="2446020"/>
-            <a:ext cx="3520440" cy="523220"/>
-          </a:xfrm>
-          <a:prstGeom prst="rect">
-            <a:avLst/>
-          </a:prstGeom>
-          <a:noFill/>
-        </p:spPr>
-        <p:txBody>
-          <a:bodyPr wrap="square" rtlCol="0">
-            <a:spAutoFit/>
-          </a:bodyPr>
-          <a:lstStyle/>
-          <a:p>
-            <a:pPr algn="ctr"/>
-            <a:r>
-              <a:rPr lang="en-US" sz="2800" b="0" i="0" dirty="0">
-                <a:solidFill>
-                  <a:srgbClr val="202124"/>
-                </a:solidFill>
-                <a:effectLst/>
-                <a:latin typeface="Google Sans"/>
-              </a:rPr>
-              <a:t>Eli Lilly And Co</a:t>
-            </a:r>
-            <a:endParaRPr lang="en-US" sz="2800" dirty="0"/>
-          </a:p>
-        </p:txBody>
-      </p:sp>
       <p:pic>
         <p:nvPicPr>
-          <p:cNvPr id="6" name="Picture 5" descr="A graph with numbers and dots&#10;&#10;Description automatically generated">
-            <a:extLst>
-              <a:ext uri="{FF2B5EF4-FFF2-40B4-BE49-F238E27FC236}">
-                <a16:creationId xmlns:a16="http://schemas.microsoft.com/office/drawing/2014/main" id="{15ADADC0-C9CB-2B06-30B3-A550F16D2BE1}"/>
+          <p:cNvPr id="8" name="Picture 7" descr="A graph of different colored lines&#10;&#10;Description automatically generated">
+            <a:extLst>
+              <a:ext uri="{FF2B5EF4-FFF2-40B4-BE49-F238E27FC236}">
+                <a16:creationId xmlns:a16="http://schemas.microsoft.com/office/drawing/2014/main" id="{01AE06ED-7720-0E03-6F5F-9CE27BC0D5A9}"/>
               </a:ext>
             </a:extLst>
           </p:cNvPr>
@@ -11168,8 +11333,8 @@
         </p:blipFill>
         <p:spPr>
           <a:xfrm>
-            <a:off x="1424115" y="3090980"/>
-            <a:ext cx="4314569" cy="3235927"/>
+            <a:off x="6096000" y="1459866"/>
+            <a:ext cx="5842000" cy="4381500"/>
           </a:xfrm>
           <a:prstGeom prst="rect">
             <a:avLst/>
@@ -11178,10 +11343,10 @@
       </p:pic>
       <p:pic>
         <p:nvPicPr>
-          <p:cNvPr id="10" name="Picture 9" descr="A graph with numbers and a line&#10;&#10;Description automatically generated">
-            <a:extLst>
-              <a:ext uri="{FF2B5EF4-FFF2-40B4-BE49-F238E27FC236}">
-                <a16:creationId xmlns:a16="http://schemas.microsoft.com/office/drawing/2014/main" id="{809AC9D6-CE00-738A-324C-0296434FCBD1}"/>
+          <p:cNvPr id="10" name="Picture 9" descr="A graph of different colored lines&#10;&#10;Description automatically generated">
+            <a:extLst>
+              <a:ext uri="{FF2B5EF4-FFF2-40B4-BE49-F238E27FC236}">
+                <a16:creationId xmlns:a16="http://schemas.microsoft.com/office/drawing/2014/main" id="{AB3D5A10-F1C4-A371-2C98-AB5AA4D03793}"/>
               </a:ext>
             </a:extLst>
           </p:cNvPr>
@@ -11198,8 +11363,8 @@
         </p:blipFill>
         <p:spPr>
           <a:xfrm>
-            <a:off x="6499740" y="3120423"/>
-            <a:ext cx="4314570" cy="3235928"/>
+            <a:off x="254000" y="1459866"/>
+            <a:ext cx="5842000" cy="4381500"/>
           </a:xfrm>
           <a:prstGeom prst="rect">
             <a:avLst/>
@@ -11209,7 +11374,7 @@
     </p:spTree>
     <p:extLst>
       <p:ext uri="{BB962C8B-B14F-4D97-AF65-F5344CB8AC3E}">
-        <p14:creationId xmlns:p14="http://schemas.microsoft.com/office/powerpoint/2010/main" val="1609375222"/>
+        <p14:creationId xmlns:p14="http://schemas.microsoft.com/office/powerpoint/2010/main" val="532099276"/>
       </p:ext>
     </p:extLst>
   </p:cSld>
@@ -11241,7 +11406,7 @@
           <p:cNvPr id="2" name="Title 1">
             <a:extLst>
               <a:ext uri="{FF2B5EF4-FFF2-40B4-BE49-F238E27FC236}">
-                <a16:creationId xmlns:a16="http://schemas.microsoft.com/office/drawing/2014/main" id="{D7370F17-7C63-2740-3929-5264F9B06095}"/>
+                <a16:creationId xmlns:a16="http://schemas.microsoft.com/office/drawing/2014/main" id="{4F6A2D15-4D68-4BF7-9421-032AE6C8852C}"/>
               </a:ext>
             </a:extLst>
           </p:cNvPr>
@@ -11252,117 +11417,29 @@
             <p:ph type="title"/>
           </p:nvPr>
         </p:nvSpPr>
-        <p:spPr/>
+        <p:spPr>
+          <a:xfrm>
+            <a:off x="1307008" y="336701"/>
+            <a:ext cx="9577983" cy="1325563"/>
+          </a:xfrm>
+        </p:spPr>
         <p:txBody>
           <a:bodyPr/>
           <a:lstStyle/>
           <a:p>
             <a:r>
               <a:rPr lang="en-US" dirty="0"/>
-              <a:t>How can we predict future trends?</a:t>
-            </a:r>
-            <a:br>
-              <a:rPr lang="en-US" dirty="0"/>
-            </a:br>
-            <a:endParaRPr lang="en-US" dirty="0"/>
-          </a:p>
-        </p:txBody>
-      </p:sp>
-      <p:sp>
-        <p:nvSpPr>
-          <p:cNvPr id="3" name="SmartArt Placeholder 2">
-            <a:extLst>
-              <a:ext uri="{FF2B5EF4-FFF2-40B4-BE49-F238E27FC236}">
-                <a16:creationId xmlns:a16="http://schemas.microsoft.com/office/drawing/2014/main" id="{204115AA-6716-606A-E787-021915C3FAAB}"/>
-              </a:ext>
-            </a:extLst>
-          </p:cNvPr>
-          <p:cNvSpPr>
-            <a:spLocks noGrp="1"/>
-          </p:cNvSpPr>
-          <p:nvPr>
-            <p:ph type="dgm" sz="quarter" idx="15"/>
-          </p:nvPr>
-        </p:nvSpPr>
-        <p:spPr/>
-        <p:txBody>
-          <a:bodyPr/>
-          <a:lstStyle/>
-          <a:p>
-            <a:pPr marL="0" indent="0">
-              <a:buNone/>
-            </a:pPr>
-            <a:r>
-              <a:rPr lang="en-US" dirty="0"/>
-              <a:t>Text &amp; Graphs</a:t>
-            </a:r>
-          </a:p>
-        </p:txBody>
-      </p:sp>
-      <p:sp>
-        <p:nvSpPr>
-          <p:cNvPr id="4" name="Date Placeholder 3">
-            <a:extLst>
-              <a:ext uri="{FF2B5EF4-FFF2-40B4-BE49-F238E27FC236}">
-                <a16:creationId xmlns:a16="http://schemas.microsoft.com/office/drawing/2014/main" id="{893D3077-883B-6B8A-038C-8D607669617A}"/>
-              </a:ext>
-            </a:extLst>
-          </p:cNvPr>
-          <p:cNvSpPr>
-            <a:spLocks noGrp="1"/>
-          </p:cNvSpPr>
-          <p:nvPr>
-            <p:ph type="dt" sz="half" idx="10"/>
-          </p:nvPr>
-        </p:nvSpPr>
-        <p:spPr/>
-        <p:txBody>
-          <a:bodyPr/>
-          <a:lstStyle/>
-          <a:p>
-            <a:r>
-              <a:rPr lang="en-US"/>
-              <a:t>20XX</a:t>
-            </a:r>
-            <a:endParaRPr lang="en-US" dirty="0"/>
-          </a:p>
-        </p:txBody>
-      </p:sp>
-      <p:sp>
-        <p:nvSpPr>
-          <p:cNvPr id="5" name="Footer Placeholder 4">
-            <a:extLst>
-              <a:ext uri="{FF2B5EF4-FFF2-40B4-BE49-F238E27FC236}">
-                <a16:creationId xmlns:a16="http://schemas.microsoft.com/office/drawing/2014/main" id="{85A87815-7458-EE31-C3F6-DB5EB3849A69}"/>
-              </a:ext>
-            </a:extLst>
-          </p:cNvPr>
-          <p:cNvSpPr>
-            <a:spLocks noGrp="1"/>
-          </p:cNvSpPr>
-          <p:nvPr>
-            <p:ph type="ftr" sz="quarter" idx="11"/>
-          </p:nvPr>
-        </p:nvSpPr>
-        <p:spPr/>
-        <p:txBody>
-          <a:bodyPr/>
-          <a:lstStyle/>
-          <a:p>
-            <a:r>
-              <a:rPr lang="en-US"/>
-              <a:t>PRESENTATION TITLE</a:t>
-            </a:r>
-            <a:endParaRPr lang="en-US" dirty="0"/>
-          </a:p>
-        </p:txBody>
-      </p:sp>
-      <p:sp>
-        <p:nvSpPr>
-          <p:cNvPr id="6" name="Slide Number Placeholder 5">
-            <a:extLst>
-              <a:ext uri="{FF2B5EF4-FFF2-40B4-BE49-F238E27FC236}">
-                <a16:creationId xmlns:a16="http://schemas.microsoft.com/office/drawing/2014/main" id="{62F106EA-6BED-61C6-242D-D8156F8E995B}"/>
+              <a:t>How have the stock trends performed over time? can we Predict Future Trends?</a:t>
+            </a:r>
+          </a:p>
+        </p:txBody>
+      </p:sp>
+      <p:sp>
+        <p:nvSpPr>
+          <p:cNvPr id="25" name="Slide Number Placeholder 24">
+            <a:extLst>
+              <a:ext uri="{FF2B5EF4-FFF2-40B4-BE49-F238E27FC236}">
+                <a16:creationId xmlns:a16="http://schemas.microsoft.com/office/drawing/2014/main" id="{148E9129-4CC6-47BA-ACD8-2C632A8660EC}"/>
               </a:ext>
             </a:extLst>
           </p:cNvPr>
@@ -11373,7 +11450,12 @@
             <p:ph type="sldNum" sz="quarter" idx="12"/>
           </p:nvPr>
         </p:nvSpPr>
-        <p:spPr/>
+        <p:spPr>
+          <a:xfrm>
+            <a:off x="8610600" y="6356350"/>
+            <a:ext cx="2743200" cy="365125"/>
+          </a:xfrm>
+        </p:spPr>
         <p:txBody>
           <a:bodyPr/>
           <a:lstStyle/>
@@ -11387,10 +11469,149 @@
           </a:p>
         </p:txBody>
       </p:sp>
+      <p:pic>
+        <p:nvPicPr>
+          <p:cNvPr id="4" name="Picture 3" descr="A graph with blue dots and red line&#10;&#10;Description automatically generated">
+            <a:extLst>
+              <a:ext uri="{FF2B5EF4-FFF2-40B4-BE49-F238E27FC236}">
+                <a16:creationId xmlns:a16="http://schemas.microsoft.com/office/drawing/2014/main" id="{CED44DC4-1D1A-368B-42E3-4E728CCB576A}"/>
+              </a:ext>
+            </a:extLst>
+          </p:cNvPr>
+          <p:cNvPicPr>
+            <a:picLocks noChangeAspect="1"/>
+          </p:cNvPicPr>
+          <p:nvPr/>
+        </p:nvPicPr>
+        <p:blipFill>
+          <a:blip r:embed="rId2"/>
+          <a:stretch>
+            <a:fillRect/>
+          </a:stretch>
+        </p:blipFill>
+        <p:spPr>
+          <a:xfrm>
+            <a:off x="1307008" y="2948940"/>
+            <a:ext cx="4498404" cy="3373803"/>
+          </a:xfrm>
+          <a:prstGeom prst="rect">
+            <a:avLst/>
+          </a:prstGeom>
+        </p:spPr>
+      </p:pic>
+      <p:sp>
+        <p:nvSpPr>
+          <p:cNvPr id="5" name="TextBox 4">
+            <a:extLst>
+              <a:ext uri="{FF2B5EF4-FFF2-40B4-BE49-F238E27FC236}">
+                <a16:creationId xmlns:a16="http://schemas.microsoft.com/office/drawing/2014/main" id="{2254930C-D835-67EE-67EE-F1F5BDA45880}"/>
+              </a:ext>
+            </a:extLst>
+          </p:cNvPr>
+          <p:cNvSpPr txBox="1"/>
+          <p:nvPr/>
+        </p:nvSpPr>
+        <p:spPr>
+          <a:xfrm>
+            <a:off x="1856232" y="2446020"/>
+            <a:ext cx="3520440" cy="523220"/>
+          </a:xfrm>
+          <a:prstGeom prst="rect">
+            <a:avLst/>
+          </a:prstGeom>
+          <a:noFill/>
+        </p:spPr>
+        <p:txBody>
+          <a:bodyPr wrap="square" rtlCol="0">
+            <a:spAutoFit/>
+          </a:bodyPr>
+          <a:lstStyle/>
+          <a:p>
+            <a:pPr algn="ctr"/>
+            <a:r>
+              <a:rPr lang="en-US" sz="2800" dirty="0"/>
+              <a:t>AbbVie Inc</a:t>
+            </a:r>
+          </a:p>
+        </p:txBody>
+      </p:sp>
+      <p:pic>
+        <p:nvPicPr>
+          <p:cNvPr id="7" name="Picture 6" descr="A graph with numbers and dots&#10;&#10;Description automatically generated">
+            <a:extLst>
+              <a:ext uri="{FF2B5EF4-FFF2-40B4-BE49-F238E27FC236}">
+                <a16:creationId xmlns:a16="http://schemas.microsoft.com/office/drawing/2014/main" id="{78F7721C-CC3A-DC1E-99A4-7541D84AE9A6}"/>
+              </a:ext>
+            </a:extLst>
+          </p:cNvPr>
+          <p:cNvPicPr>
+            <a:picLocks noChangeAspect="1"/>
+          </p:cNvPicPr>
+          <p:nvPr/>
+        </p:nvPicPr>
+        <p:blipFill>
+          <a:blip r:embed="rId3"/>
+          <a:stretch>
+            <a:fillRect/>
+          </a:stretch>
+        </p:blipFill>
+        <p:spPr>
+          <a:xfrm>
+            <a:off x="6460235" y="3008495"/>
+            <a:ext cx="4463807" cy="3347855"/>
+          </a:xfrm>
+          <a:prstGeom prst="rect">
+            <a:avLst/>
+          </a:prstGeom>
+        </p:spPr>
+      </p:pic>
+      <p:sp>
+        <p:nvSpPr>
+          <p:cNvPr id="8" name="TextBox 7">
+            <a:extLst>
+              <a:ext uri="{FF2B5EF4-FFF2-40B4-BE49-F238E27FC236}">
+                <a16:creationId xmlns:a16="http://schemas.microsoft.com/office/drawing/2014/main" id="{3FDF9D8D-C677-0576-3FE3-CC3578FA803A}"/>
+              </a:ext>
+            </a:extLst>
+          </p:cNvPr>
+          <p:cNvSpPr txBox="1"/>
+          <p:nvPr/>
+        </p:nvSpPr>
+        <p:spPr>
+          <a:xfrm>
+            <a:off x="6931918" y="2166316"/>
+            <a:ext cx="3520440" cy="954107"/>
+          </a:xfrm>
+          <a:prstGeom prst="rect">
+            <a:avLst/>
+          </a:prstGeom>
+          <a:noFill/>
+        </p:spPr>
+        <p:txBody>
+          <a:bodyPr wrap="square" rtlCol="0">
+            <a:spAutoFit/>
+          </a:bodyPr>
+          <a:lstStyle/>
+          <a:p>
+            <a:pPr algn="ctr"/>
+            <a:r>
+              <a:rPr lang="en-US" sz="2800" b="0" i="0" dirty="0">
+                <a:solidFill>
+                  <a:srgbClr val="202124"/>
+                </a:solidFill>
+                <a:effectLst/>
+                <a:latin typeface="Google Sans"/>
+              </a:rPr>
+              <a:t>Bristol-Myers Squibb Co</a:t>
+            </a:r>
+            <a:endParaRPr lang="en-US" sz="2800" dirty="0"/>
+          </a:p>
+        </p:txBody>
+      </p:sp>
     </p:spTree>
     <p:extLst>
       <p:ext uri="{BB962C8B-B14F-4D97-AF65-F5344CB8AC3E}">
-        <p14:creationId xmlns:p14="http://schemas.microsoft.com/office/powerpoint/2010/main" val="2537772617"/>
+        <p14:creationId xmlns:p14="http://schemas.microsoft.com/office/powerpoint/2010/main" val="2619301236"/>
       </p:ext>
     </p:extLst>
   </p:cSld>
@@ -11422,21 +11643,21 @@
           <p:cNvPr id="2" name="Title 1">
             <a:extLst>
               <a:ext uri="{FF2B5EF4-FFF2-40B4-BE49-F238E27FC236}">
-                <a16:creationId xmlns:a16="http://schemas.microsoft.com/office/drawing/2014/main" id="{8BDF1EDE-5423-435C-B149-87AB1BC22B83}"/>
-              </a:ext>
-            </a:extLst>
-          </p:cNvPr>
-          <p:cNvSpPr>
-            <a:spLocks noGrp="1"/>
-          </p:cNvSpPr>
-          <p:nvPr>
-            <p:ph type="ctrTitle"/>
-          </p:nvPr>
-        </p:nvSpPr>
-        <p:spPr>
-          <a:xfrm>
-            <a:off x="4267200" y="351693"/>
-            <a:ext cx="4179570" cy="2453652"/>
+                <a16:creationId xmlns:a16="http://schemas.microsoft.com/office/drawing/2014/main" id="{4F6A2D15-4D68-4BF7-9421-032AE6C8852C}"/>
+              </a:ext>
+            </a:extLst>
+          </p:cNvPr>
+          <p:cNvSpPr>
+            <a:spLocks noGrp="1"/>
+          </p:cNvSpPr>
+          <p:nvPr>
+            <p:ph type="title"/>
+          </p:nvPr>
+        </p:nvSpPr>
+        <p:spPr>
+          <a:xfrm>
+            <a:off x="1307008" y="336701"/>
+            <a:ext cx="9577983" cy="1325563"/>
           </a:xfrm>
         </p:spPr>
         <p:txBody>
@@ -11445,130 +11666,17 @@
           <a:p>
             <a:r>
               <a:rPr lang="en-US" dirty="0"/>
-              <a:t>THANK YOU</a:t>
-            </a:r>
-          </a:p>
-        </p:txBody>
-      </p:sp>
-      <p:sp>
-        <p:nvSpPr>
-          <p:cNvPr id="3" name="Subtitle 2">
-            <a:extLst>
-              <a:ext uri="{FF2B5EF4-FFF2-40B4-BE49-F238E27FC236}">
-                <a16:creationId xmlns:a16="http://schemas.microsoft.com/office/drawing/2014/main" id="{AF64C29E-DF30-4DC6-AB95-2016F9A703B6}"/>
-              </a:ext>
-            </a:extLst>
-          </p:cNvPr>
-          <p:cNvSpPr>
-            <a:spLocks noGrp="1"/>
-          </p:cNvSpPr>
-          <p:nvPr>
-            <p:ph type="subTitle" idx="1"/>
-          </p:nvPr>
-        </p:nvSpPr>
-        <p:spPr>
-          <a:xfrm>
-            <a:off x="4267200" y="3238103"/>
-            <a:ext cx="4179570" cy="2107620"/>
-          </a:xfrm>
-        </p:spPr>
-        <p:txBody>
-          <a:bodyPr>
-            <a:normAutofit/>
-          </a:bodyPr>
-          <a:lstStyle/>
-          <a:p>
-            <a:r>
-              <a:rPr lang="en-US" dirty="0"/>
-              <a:t>Mirjam Nilsson</a:t>
-            </a:r>
-          </a:p>
-          <a:p>
-            <a:r>
-              <a:rPr lang="en-US" dirty="0"/>
-              <a:t>mirjam@contoso.com</a:t>
-            </a:r>
-          </a:p>
-          <a:p>
-            <a:r>
-              <a:rPr lang="en-US" dirty="0"/>
-              <a:t>www.contoso.com</a:t>
-            </a:r>
-          </a:p>
-        </p:txBody>
-      </p:sp>
-      <p:sp>
-        <p:nvSpPr>
-          <p:cNvPr id="4" name="Date Placeholder 3">
-            <a:extLst>
-              <a:ext uri="{FF2B5EF4-FFF2-40B4-BE49-F238E27FC236}">
-                <a16:creationId xmlns:a16="http://schemas.microsoft.com/office/drawing/2014/main" id="{A47C7382-18E7-4821-8C61-461D6BBE08FC}"/>
-              </a:ext>
-            </a:extLst>
-          </p:cNvPr>
-          <p:cNvSpPr>
-            <a:spLocks noGrp="1"/>
-          </p:cNvSpPr>
-          <p:nvPr>
-            <p:ph type="dt" sz="half" idx="10"/>
-          </p:nvPr>
-        </p:nvSpPr>
-        <p:spPr>
-          <a:xfrm>
-            <a:off x="4267200" y="6356350"/>
-            <a:ext cx="1774371" cy="365125"/>
-          </a:xfrm>
-        </p:spPr>
-        <p:txBody>
-          <a:bodyPr/>
-          <a:lstStyle/>
-          <a:p>
-            <a:r>
-              <a:rPr lang="en-US" dirty="0"/>
-              <a:t>20XX</a:t>
-            </a:r>
-          </a:p>
-        </p:txBody>
-      </p:sp>
-      <p:sp>
-        <p:nvSpPr>
-          <p:cNvPr id="5" name="Footer Placeholder 4">
-            <a:extLst>
-              <a:ext uri="{FF2B5EF4-FFF2-40B4-BE49-F238E27FC236}">
-                <a16:creationId xmlns:a16="http://schemas.microsoft.com/office/drawing/2014/main" id="{3990FA1B-5022-47AB-A0AE-8F5C5797997C}"/>
-              </a:ext>
-            </a:extLst>
-          </p:cNvPr>
-          <p:cNvSpPr>
-            <a:spLocks noGrp="1"/>
-          </p:cNvSpPr>
-          <p:nvPr>
-            <p:ph type="ftr" sz="quarter" idx="11"/>
-          </p:nvPr>
-        </p:nvSpPr>
-        <p:spPr>
-          <a:xfrm>
-            <a:off x="6479721" y="6356350"/>
-            <a:ext cx="2661557" cy="365125"/>
-          </a:xfrm>
-        </p:spPr>
-        <p:txBody>
-          <a:bodyPr/>
-          <a:lstStyle/>
-          <a:p>
-            <a:r>
-              <a:rPr lang="en-US" dirty="0"/>
-              <a:t>PRESENTATION TITLE</a:t>
-            </a:r>
-          </a:p>
-        </p:txBody>
-      </p:sp>
-      <p:sp>
-        <p:nvSpPr>
-          <p:cNvPr id="6" name="Slide Number Placeholder 5">
-            <a:extLst>
-              <a:ext uri="{FF2B5EF4-FFF2-40B4-BE49-F238E27FC236}">
-                <a16:creationId xmlns:a16="http://schemas.microsoft.com/office/drawing/2014/main" id="{4C127D99-645F-4FCF-9573-FDFE2A344FA9}"/>
+              <a:t>How have the stock trends performed over time? can we Predict Future Trends?</a:t>
+            </a:r>
+          </a:p>
+        </p:txBody>
+      </p:sp>
+      <p:sp>
+        <p:nvSpPr>
+          <p:cNvPr id="25" name="Slide Number Placeholder 24">
+            <a:extLst>
+              <a:ext uri="{FF2B5EF4-FFF2-40B4-BE49-F238E27FC236}">
+                <a16:creationId xmlns:a16="http://schemas.microsoft.com/office/drawing/2014/main" id="{148E9129-4CC6-47BA-ACD8-2C632A8660EC}"/>
               </a:ext>
             </a:extLst>
           </p:cNvPr>
@@ -11581,8 +11689,8 @@
         </p:nvSpPr>
         <p:spPr>
           <a:xfrm>
-            <a:off x="9579428" y="6356350"/>
-            <a:ext cx="1774371" cy="365125"/>
+            <a:off x="8610600" y="6356350"/>
+            <a:ext cx="2743200" cy="365125"/>
           </a:xfrm>
         </p:spPr>
         <p:txBody>
@@ -11598,10 +11706,156 @@
           </a:p>
         </p:txBody>
       </p:sp>
+      <p:sp>
+        <p:nvSpPr>
+          <p:cNvPr id="5" name="TextBox 4">
+            <a:extLst>
+              <a:ext uri="{FF2B5EF4-FFF2-40B4-BE49-F238E27FC236}">
+                <a16:creationId xmlns:a16="http://schemas.microsoft.com/office/drawing/2014/main" id="{2254930C-D835-67EE-67EE-F1F5BDA45880}"/>
+              </a:ext>
+            </a:extLst>
+          </p:cNvPr>
+          <p:cNvSpPr txBox="1"/>
+          <p:nvPr/>
+        </p:nvSpPr>
+        <p:spPr>
+          <a:xfrm>
+            <a:off x="1856232" y="2446020"/>
+            <a:ext cx="3520440" cy="523220"/>
+          </a:xfrm>
+          <a:prstGeom prst="rect">
+            <a:avLst/>
+          </a:prstGeom>
+          <a:noFill/>
+        </p:spPr>
+        <p:txBody>
+          <a:bodyPr wrap="square" rtlCol="0">
+            <a:spAutoFit/>
+          </a:bodyPr>
+          <a:lstStyle/>
+          <a:p>
+            <a:pPr algn="ctr"/>
+            <a:r>
+              <a:rPr lang="en-US" sz="2800" b="0" i="0" dirty="0">
+                <a:solidFill>
+                  <a:srgbClr val="202124"/>
+                </a:solidFill>
+                <a:effectLst/>
+                <a:latin typeface="Google Sans"/>
+              </a:rPr>
+              <a:t>Catalent Inc</a:t>
+            </a:r>
+            <a:endParaRPr lang="en-US" sz="2800" dirty="0"/>
+          </a:p>
+        </p:txBody>
+      </p:sp>
+      <p:sp>
+        <p:nvSpPr>
+          <p:cNvPr id="8" name="TextBox 7">
+            <a:extLst>
+              <a:ext uri="{FF2B5EF4-FFF2-40B4-BE49-F238E27FC236}">
+                <a16:creationId xmlns:a16="http://schemas.microsoft.com/office/drawing/2014/main" id="{3FDF9D8D-C677-0576-3FE3-CC3578FA803A}"/>
+              </a:ext>
+            </a:extLst>
+          </p:cNvPr>
+          <p:cNvSpPr txBox="1"/>
+          <p:nvPr/>
+        </p:nvSpPr>
+        <p:spPr>
+          <a:xfrm>
+            <a:off x="6896805" y="2446020"/>
+            <a:ext cx="3520440" cy="523220"/>
+          </a:xfrm>
+          <a:prstGeom prst="rect">
+            <a:avLst/>
+          </a:prstGeom>
+          <a:noFill/>
+        </p:spPr>
+        <p:txBody>
+          <a:bodyPr wrap="square" rtlCol="0">
+            <a:spAutoFit/>
+          </a:bodyPr>
+          <a:lstStyle/>
+          <a:p>
+            <a:pPr algn="ctr"/>
+            <a:r>
+              <a:rPr lang="en-US" sz="2800" b="0" i="0" dirty="0">
+                <a:solidFill>
+                  <a:srgbClr val="202124"/>
+                </a:solidFill>
+                <a:effectLst/>
+                <a:latin typeface="Google Sans"/>
+              </a:rPr>
+              <a:t>Eli Lilly And Co</a:t>
+            </a:r>
+            <a:endParaRPr lang="en-US" sz="2800" dirty="0"/>
+          </a:p>
+        </p:txBody>
+      </p:sp>
+      <p:pic>
+        <p:nvPicPr>
+          <p:cNvPr id="6" name="Picture 5" descr="A graph with numbers and dots&#10;&#10;Description automatically generated">
+            <a:extLst>
+              <a:ext uri="{FF2B5EF4-FFF2-40B4-BE49-F238E27FC236}">
+                <a16:creationId xmlns:a16="http://schemas.microsoft.com/office/drawing/2014/main" id="{15ADADC0-C9CB-2B06-30B3-A550F16D2BE1}"/>
+              </a:ext>
+            </a:extLst>
+          </p:cNvPr>
+          <p:cNvPicPr>
+            <a:picLocks noChangeAspect="1"/>
+          </p:cNvPicPr>
+          <p:nvPr/>
+        </p:nvPicPr>
+        <p:blipFill>
+          <a:blip r:embed="rId2"/>
+          <a:stretch>
+            <a:fillRect/>
+          </a:stretch>
+        </p:blipFill>
+        <p:spPr>
+          <a:xfrm>
+            <a:off x="1424115" y="3090980"/>
+            <a:ext cx="4314569" cy="3235927"/>
+          </a:xfrm>
+          <a:prstGeom prst="rect">
+            <a:avLst/>
+          </a:prstGeom>
+        </p:spPr>
+      </p:pic>
+      <p:pic>
+        <p:nvPicPr>
+          <p:cNvPr id="10" name="Picture 9" descr="A graph with numbers and a line&#10;&#10;Description automatically generated">
+            <a:extLst>
+              <a:ext uri="{FF2B5EF4-FFF2-40B4-BE49-F238E27FC236}">
+                <a16:creationId xmlns:a16="http://schemas.microsoft.com/office/drawing/2014/main" id="{809AC9D6-CE00-738A-324C-0296434FCBD1}"/>
+              </a:ext>
+            </a:extLst>
+          </p:cNvPr>
+          <p:cNvPicPr>
+            <a:picLocks noChangeAspect="1"/>
+          </p:cNvPicPr>
+          <p:nvPr/>
+        </p:nvPicPr>
+        <p:blipFill>
+          <a:blip r:embed="rId3"/>
+          <a:stretch>
+            <a:fillRect/>
+          </a:stretch>
+        </p:blipFill>
+        <p:spPr>
+          <a:xfrm>
+            <a:off x="6499740" y="3120423"/>
+            <a:ext cx="4314570" cy="3235928"/>
+          </a:xfrm>
+          <a:prstGeom prst="rect">
+            <a:avLst/>
+          </a:prstGeom>
+        </p:spPr>
+      </p:pic>
     </p:spTree>
     <p:extLst>
       <p:ext uri="{BB962C8B-B14F-4D97-AF65-F5344CB8AC3E}">
-        <p14:creationId xmlns:p14="http://schemas.microsoft.com/office/powerpoint/2010/main" val="1969787568"/>
+        <p14:creationId xmlns:p14="http://schemas.microsoft.com/office/powerpoint/2010/main" val="1609375222"/>
       </p:ext>
     </p:extLst>
   </p:cSld>
@@ -12403,15 +12657,6 @@
 </file>
 
 <file path=customXml/item1.xml><?xml version="1.0" encoding="utf-8"?>
-<?mso-contentType ?>
-<FormTemplates xmlns="http://schemas.microsoft.com/sharepoint/v3/contenttype/forms">
-  <Display>DocumentLibraryForm</Display>
-  <Edit>DocumentLibraryForm</Edit>
-  <New>DocumentLibraryForm</New>
-</FormTemplates>
-</file>
-
-<file path=customXml/item2.xml><?xml version="1.0" encoding="utf-8"?>
 <p:properties xmlns:p="http://schemas.microsoft.com/office/2006/metadata/properties" xmlns:xsi="http://www.w3.org/2001/XMLSchema-instance" xmlns:pc="http://schemas.microsoft.com/office/infopath/2007/PartnerControls">
   <documentManagement>
     <_ip_UnifiedCompliancePolicyUIAction xmlns="http://schemas.microsoft.com/sharepoint/v3" xsi:nil="true"/>
@@ -12429,6 +12674,15 @@
     <MediaServiceKeyPoints xmlns="71af3243-3dd4-4a8d-8c0d-dd76da1f02a5" xsi:nil="true"/>
   </documentManagement>
 </p:properties>
+</file>
+
+<file path=customXml/item2.xml><?xml version="1.0" encoding="utf-8"?>
+<?mso-contentType ?>
+<FormTemplates xmlns="http://schemas.microsoft.com/sharepoint/v3/contenttype/forms">
+  <Display>DocumentLibraryForm</Display>
+  <Edit>DocumentLibraryForm</Edit>
+  <New>DocumentLibraryForm</New>
+</FormTemplates>
 </file>
 
 <file path=customXml/item3.xml><?xml version="1.0" encoding="utf-8"?>
@@ -12744,14 +12998,6 @@
 </file>
 
 <file path=customXml/itemProps1.xml><?xml version="1.0" encoding="utf-8"?>
-<ds:datastoreItem xmlns:ds="http://schemas.openxmlformats.org/officeDocument/2006/customXml" ds:itemID="{5ECBB7AC-E012-4960-B083-33C7C7C0C8C8}">
-  <ds:schemaRefs>
-    <ds:schemaRef ds:uri="http://schemas.microsoft.com/sharepoint/v3/contenttype/forms"/>
-  </ds:schemaRefs>
-</ds:datastoreItem>
-</file>
-
-<file path=customXml/itemProps2.xml><?xml version="1.0" encoding="utf-8"?>
 <ds:datastoreItem xmlns:ds="http://schemas.openxmlformats.org/officeDocument/2006/customXml" ds:itemID="{CA05327A-3F11-4B74-87F2-F91762B92A4E}">
   <ds:schemaRefs>
     <ds:schemaRef ds:uri="http://schemas.microsoft.com/office/2006/metadata/properties"/>
@@ -12759,6 +13005,14 @@
     <ds:schemaRef ds:uri="http://schemas.microsoft.com/sharepoint/v3"/>
     <ds:schemaRef ds:uri="71af3243-3dd4-4a8d-8c0d-dd76da1f02a5"/>
     <ds:schemaRef ds:uri="230e9df3-be65-4c73-a93b-d1236ebd677e"/>
+  </ds:schemaRefs>
+</ds:datastoreItem>
+</file>
+
+<file path=customXml/itemProps2.xml><?xml version="1.0" encoding="utf-8"?>
+<ds:datastoreItem xmlns:ds="http://schemas.openxmlformats.org/officeDocument/2006/customXml" ds:itemID="{5ECBB7AC-E012-4960-B083-33C7C7C0C8C8}">
+  <ds:schemaRefs>
+    <ds:schemaRef ds:uri="http://schemas.microsoft.com/sharepoint/v3/contenttype/forms"/>
   </ds:schemaRefs>
 </ds:datastoreItem>
 </file>
